--- a/docs/taommall v1.1.pptx
+++ b/docs/taommall v1.1.pptx
@@ -2499,7 +2499,7 @@
                 </a:solidFill>
               </a:rPr>
               <a:pPr algn="l"/>
-              <a:t>5/30/2015</a:t>
+              <a:t>6/16/2015</a:t>
             </a:fld>
             <a:endParaRPr sz="1200">
               <a:solidFill>
@@ -9718,10 +9718,10 @@
                 <a:latin typeface="맑은 고딕" pitchFamily="50" charset="-127"/>
                 <a:ea typeface="맑은 고딕" pitchFamily="50" charset="-127"/>
               </a:rPr>
-              <a:t>       </a:t>
-            </a:r>
-            <a:r>
-              <a:rPr lang="ko-KR" altLang="en-US" sz="2000" spc="-50" dirty="0" smtClean="0">
+              <a:t>       팀원이 세 명이라 </a:t>
+            </a:r>
+            <a:r>
+              <a:rPr lang="ko-KR" altLang="en-US" sz="2000" spc="-50" dirty="0" err="1" smtClean="0">
                 <a:solidFill>
                   <a:schemeClr val="tx2">
                     <a:lumMod val="75000"/>
@@ -9730,7 +9730,7 @@
                 <a:latin typeface="맑은 고딕" pitchFamily="50" charset="-127"/>
                 <a:ea typeface="맑은 고딕" pitchFamily="50" charset="-127"/>
               </a:rPr>
-              <a:t>팀원이 </a:t>
+              <a:t>다른팀에</a:t>
             </a:r>
             <a:r>
               <a:rPr lang="ko-KR" altLang="en-US" sz="2000" spc="-50" dirty="0" smtClean="0">
@@ -9742,10 +9742,10 @@
                 <a:latin typeface="맑은 고딕" pitchFamily="50" charset="-127"/>
                 <a:ea typeface="맑은 고딕" pitchFamily="50" charset="-127"/>
               </a:rPr>
-              <a:t>세 명이라 </a:t>
-            </a:r>
-            <a:r>
-              <a:rPr lang="ko-KR" altLang="en-US" sz="2000" spc="-50" dirty="0" err="1" smtClean="0">
+              <a:t> 비해 인원이 적어 각자 해야 할 일은 </a:t>
+            </a:r>
+            <a:r>
+              <a:rPr lang="en-US" altLang="ko-KR" sz="2000" spc="-50" dirty="0" smtClean="0">
                 <a:solidFill>
                   <a:schemeClr val="tx2">
                     <a:lumMod val="75000"/>
@@ -9754,7 +9754,7 @@
                 <a:latin typeface="맑은 고딕" pitchFamily="50" charset="-127"/>
                 <a:ea typeface="맑은 고딕" pitchFamily="50" charset="-127"/>
               </a:rPr>
-              <a:t>다른팀에</a:t>
+              <a:t>                    </a:t>
             </a:r>
             <a:r>
               <a:rPr lang="ko-KR" altLang="en-US" sz="2000" spc="-50" dirty="0" smtClean="0">
@@ -9766,10 +9766,10 @@
                 <a:latin typeface="맑은 고딕" pitchFamily="50" charset="-127"/>
                 <a:ea typeface="맑은 고딕" pitchFamily="50" charset="-127"/>
               </a:rPr>
-              <a:t> 비해 인원이 적어 각자 </a:t>
-            </a:r>
-            <a:r>
-              <a:rPr lang="ko-KR" altLang="en-US" sz="2000" spc="-50" dirty="0" smtClean="0">
+              <a:t>많아졌지만 </a:t>
+            </a:r>
+            <a:r>
+              <a:rPr lang="ko-KR" altLang="en-US" sz="2000" spc="-50" dirty="0" err="1" smtClean="0">
                 <a:solidFill>
                   <a:schemeClr val="tx2">
                     <a:lumMod val="75000"/>
@@ -9778,7 +9778,7 @@
                 <a:latin typeface="맑은 고딕" pitchFamily="50" charset="-127"/>
                 <a:ea typeface="맑은 고딕" pitchFamily="50" charset="-127"/>
               </a:rPr>
-              <a:t>해야 할 </a:t>
+              <a:t>고생한만큼</a:t>
             </a:r>
             <a:r>
               <a:rPr lang="ko-KR" altLang="en-US" sz="2000" spc="-50" dirty="0" smtClean="0">
@@ -9790,10 +9790,10 @@
                 <a:latin typeface="맑은 고딕" pitchFamily="50" charset="-127"/>
                 <a:ea typeface="맑은 고딕" pitchFamily="50" charset="-127"/>
               </a:rPr>
-              <a:t>일은 </a:t>
-            </a:r>
-            <a:r>
-              <a:rPr lang="en-US" altLang="ko-KR" sz="2000" spc="-50" dirty="0" smtClean="0">
+              <a:t> 얻을 수 </a:t>
+            </a:r>
+            <a:r>
+              <a:rPr lang="ko-KR" altLang="en-US" sz="2000" spc="-50" dirty="0" err="1" smtClean="0">
                 <a:solidFill>
                   <a:schemeClr val="tx2">
                     <a:lumMod val="75000"/>
@@ -9802,10 +9802,10 @@
                 <a:latin typeface="맑은 고딕" pitchFamily="50" charset="-127"/>
                 <a:ea typeface="맑은 고딕" pitchFamily="50" charset="-127"/>
               </a:rPr>
-              <a:t> </a:t>
-            </a:r>
-            <a:r>
-              <a:rPr lang="en-US" altLang="ko-KR" sz="2000" spc="-50" dirty="0" smtClean="0">
+              <a:t>있는게</a:t>
+            </a:r>
+            <a:r>
+              <a:rPr lang="ko-KR" altLang="en-US" sz="2000" spc="-50" dirty="0" smtClean="0">
                 <a:solidFill>
                   <a:schemeClr val="tx2">
                     <a:lumMod val="75000"/>
@@ -9814,10 +9814,10 @@
                 <a:latin typeface="맑은 고딕" pitchFamily="50" charset="-127"/>
                 <a:ea typeface="맑은 고딕" pitchFamily="50" charset="-127"/>
               </a:rPr>
-              <a:t>                   </a:t>
-            </a:r>
-            <a:r>
-              <a:rPr lang="ko-KR" altLang="en-US" sz="2000" spc="-50" dirty="0" smtClean="0">
+              <a:t> 더 많을 것이라 생각합니다</a:t>
+            </a:r>
+            <a:r>
+              <a:rPr lang="en-US" altLang="ko-KR" sz="2000" spc="-50" dirty="0" smtClean="0">
                 <a:solidFill>
                   <a:schemeClr val="tx2">
                     <a:lumMod val="75000"/>
@@ -9826,113 +9826,8 @@
                 <a:latin typeface="맑은 고딕" pitchFamily="50" charset="-127"/>
                 <a:ea typeface="맑은 고딕" pitchFamily="50" charset="-127"/>
               </a:rPr>
-              <a:t>많아졌지만 </a:t>
-            </a:r>
-            <a:r>
-              <a:rPr lang="ko-KR" altLang="en-US" sz="2000" spc="-50" dirty="0" err="1" smtClean="0">
-                <a:solidFill>
-                  <a:schemeClr val="tx2">
-                    <a:lumMod val="75000"/>
-                  </a:schemeClr>
-                </a:solidFill>
-                <a:latin typeface="맑은 고딕" pitchFamily="50" charset="-127"/>
-                <a:ea typeface="맑은 고딕" pitchFamily="50" charset="-127"/>
-              </a:rPr>
-              <a:t>고생한만큼</a:t>
-            </a:r>
-            <a:r>
-              <a:rPr lang="ko-KR" altLang="en-US" sz="2000" spc="-50" dirty="0" smtClean="0">
-                <a:solidFill>
-                  <a:schemeClr val="tx2">
-                    <a:lumMod val="75000"/>
-                  </a:schemeClr>
-                </a:solidFill>
-                <a:latin typeface="맑은 고딕" pitchFamily="50" charset="-127"/>
-                <a:ea typeface="맑은 고딕" pitchFamily="50" charset="-127"/>
-              </a:rPr>
-              <a:t> </a:t>
-            </a:r>
-            <a:r>
-              <a:rPr lang="ko-KR" altLang="en-US" sz="2000" spc="-50" dirty="0" smtClean="0">
-                <a:solidFill>
-                  <a:schemeClr val="tx2">
-                    <a:lumMod val="75000"/>
-                  </a:schemeClr>
-                </a:solidFill>
-                <a:latin typeface="맑은 고딕" pitchFamily="50" charset="-127"/>
-                <a:ea typeface="맑은 고딕" pitchFamily="50" charset="-127"/>
-              </a:rPr>
-              <a:t>얻을 수 </a:t>
-            </a:r>
-            <a:r>
-              <a:rPr lang="ko-KR" altLang="en-US" sz="2000" spc="-50" dirty="0" err="1" smtClean="0">
-                <a:solidFill>
-                  <a:schemeClr val="tx2">
-                    <a:lumMod val="75000"/>
-                  </a:schemeClr>
-                </a:solidFill>
-                <a:latin typeface="맑은 고딕" pitchFamily="50" charset="-127"/>
-                <a:ea typeface="맑은 고딕" pitchFamily="50" charset="-127"/>
-              </a:rPr>
-              <a:t>있는게</a:t>
-            </a:r>
-            <a:r>
-              <a:rPr lang="ko-KR" altLang="en-US" sz="2000" spc="-50" dirty="0" smtClean="0">
-                <a:solidFill>
-                  <a:schemeClr val="tx2">
-                    <a:lumMod val="75000"/>
-                  </a:schemeClr>
-                </a:solidFill>
-                <a:latin typeface="맑은 고딕" pitchFamily="50" charset="-127"/>
-                <a:ea typeface="맑은 고딕" pitchFamily="50" charset="-127"/>
-              </a:rPr>
-              <a:t> 더 </a:t>
-            </a:r>
-            <a:r>
-              <a:rPr lang="ko-KR" altLang="en-US" sz="2000" spc="-50" dirty="0" smtClean="0">
-                <a:solidFill>
-                  <a:schemeClr val="tx2">
-                    <a:lumMod val="75000"/>
-                  </a:schemeClr>
-                </a:solidFill>
-                <a:latin typeface="맑은 고딕" pitchFamily="50" charset="-127"/>
-                <a:ea typeface="맑은 고딕" pitchFamily="50" charset="-127"/>
-              </a:rPr>
-              <a:t>많을 것이라 </a:t>
-            </a:r>
-            <a:r>
-              <a:rPr lang="ko-KR" altLang="en-US" sz="2000" spc="-50" dirty="0" smtClean="0">
-                <a:solidFill>
-                  <a:schemeClr val="tx2">
-                    <a:lumMod val="75000"/>
-                  </a:schemeClr>
-                </a:solidFill>
-                <a:latin typeface="맑은 고딕" pitchFamily="50" charset="-127"/>
-                <a:ea typeface="맑은 고딕" pitchFamily="50" charset="-127"/>
-              </a:rPr>
-              <a:t>생각합니다</a:t>
-            </a:r>
-            <a:r>
-              <a:rPr lang="en-US" altLang="ko-KR" sz="2000" spc="-50" dirty="0" smtClean="0">
-                <a:solidFill>
-                  <a:schemeClr val="tx2">
-                    <a:lumMod val="75000"/>
-                  </a:schemeClr>
-                </a:solidFill>
-                <a:latin typeface="맑은 고딕" pitchFamily="50" charset="-127"/>
-                <a:ea typeface="맑은 고딕" pitchFamily="50" charset="-127"/>
-              </a:rPr>
               <a:t>. </a:t>
             </a:r>
-            <a:endParaRPr lang="en-US" altLang="ko-KR" sz="2000" spc="-50" dirty="0" smtClean="0">
-              <a:solidFill>
-                <a:schemeClr val="tx2">
-                  <a:lumMod val="75000"/>
-                </a:schemeClr>
-              </a:solidFill>
-              <a:latin typeface="맑은 고딕" pitchFamily="50" charset="-127"/>
-              <a:ea typeface="맑은 고딕" pitchFamily="50" charset="-127"/>
-            </a:endParaRPr>
           </a:p>
           <a:p>
             <a:pPr>
@@ -9950,10 +9845,10 @@
                 <a:latin typeface="맑은 고딕" pitchFamily="50" charset="-127"/>
                 <a:ea typeface="맑은 고딕" pitchFamily="50" charset="-127"/>
               </a:rPr>
-              <a:t>또한 </a:t>
-            </a:r>
-            <a:r>
-              <a:rPr lang="ko-KR" altLang="en-US" sz="2000" spc="-50" dirty="0" smtClean="0">
+              <a:t>또한 팀원들과 협력하여 프로젝트를 개발하는 일은 처음이라 설레기도 하고 걱정도 되지만 좋은 결과를 만들 수 있도록 적극 참여하겠습니다</a:t>
+            </a:r>
+            <a:r>
+              <a:rPr lang="en-US" altLang="ko-KR" sz="2000" spc="-50" dirty="0" smtClean="0">
                 <a:solidFill>
                   <a:schemeClr val="tx2">
                     <a:lumMod val="75000"/>
@@ -9962,65 +9857,8 @@
                 <a:latin typeface="맑은 고딕" pitchFamily="50" charset="-127"/>
                 <a:ea typeface="맑은 고딕" pitchFamily="50" charset="-127"/>
               </a:rPr>
-              <a:t>팀원들과 협력하여 프로젝트를 개발하는 일은 처음이라 설레기도 하고 걱정도 되지만 </a:t>
-            </a:r>
-            <a:r>
-              <a:rPr lang="ko-KR" altLang="en-US" sz="2000" spc="-50" dirty="0" smtClean="0">
-                <a:solidFill>
-                  <a:schemeClr val="tx2">
-                    <a:lumMod val="75000"/>
-                  </a:schemeClr>
-                </a:solidFill>
-                <a:latin typeface="맑은 고딕" pitchFamily="50" charset="-127"/>
-                <a:ea typeface="맑은 고딕" pitchFamily="50" charset="-127"/>
-              </a:rPr>
-              <a:t>좋은 결과를 만들 수 </a:t>
-            </a:r>
-            <a:r>
-              <a:rPr lang="ko-KR" altLang="en-US" sz="2000" spc="-50" dirty="0" smtClean="0">
-                <a:solidFill>
-                  <a:schemeClr val="tx2">
-                    <a:lumMod val="75000"/>
-                  </a:schemeClr>
-                </a:solidFill>
-                <a:latin typeface="맑은 고딕" pitchFamily="50" charset="-127"/>
-                <a:ea typeface="맑은 고딕" pitchFamily="50" charset="-127"/>
-              </a:rPr>
-              <a:t>있도록 </a:t>
-            </a:r>
-            <a:r>
-              <a:rPr lang="ko-KR" altLang="en-US" sz="2000" spc="-50" dirty="0" smtClean="0">
-                <a:solidFill>
-                  <a:schemeClr val="tx2">
-                    <a:lumMod val="75000"/>
-                  </a:schemeClr>
-                </a:solidFill>
-                <a:latin typeface="맑은 고딕" pitchFamily="50" charset="-127"/>
-                <a:ea typeface="맑은 고딕" pitchFamily="50" charset="-127"/>
-              </a:rPr>
-              <a:t>적극 참여하겠습니다</a:t>
-            </a:r>
-            <a:r>
-              <a:rPr lang="en-US" altLang="ko-KR" sz="2000" spc="-50" dirty="0" smtClean="0">
-                <a:solidFill>
-                  <a:schemeClr val="tx2">
-                    <a:lumMod val="75000"/>
-                  </a:schemeClr>
-                </a:solidFill>
-                <a:latin typeface="맑은 고딕" pitchFamily="50" charset="-127"/>
-                <a:ea typeface="맑은 고딕" pitchFamily="50" charset="-127"/>
-              </a:rPr>
               <a:t>.</a:t>
             </a:r>
-            <a:endParaRPr lang="en-US" altLang="ko-KR" sz="2000" spc="-50" dirty="0" smtClean="0">
-              <a:solidFill>
-                <a:schemeClr val="tx2">
-                  <a:lumMod val="75000"/>
-                </a:schemeClr>
-              </a:solidFill>
-              <a:latin typeface="맑은 고딕" pitchFamily="50" charset="-127"/>
-              <a:ea typeface="맑은 고딕" pitchFamily="50" charset="-127"/>
-            </a:endParaRPr>
           </a:p>
         </p:txBody>
       </p:sp>
@@ -10116,19 +9954,7 @@
                 <a:latin typeface="맑은 고딕" pitchFamily="50" charset="-127"/>
                 <a:ea typeface="맑은 고딕" pitchFamily="50" charset="-127"/>
               </a:rPr>
-              <a:t>       </a:t>
-            </a:r>
-            <a:r>
-              <a:rPr lang="ko-KR" altLang="en-US" sz="2000" spc="-50" dirty="0" smtClean="0">
-                <a:solidFill>
-                  <a:schemeClr val="tx2">
-                    <a:lumMod val="75000"/>
-                  </a:schemeClr>
-                </a:solidFill>
-                <a:latin typeface="맑은 고딕" pitchFamily="50" charset="-127"/>
-                <a:ea typeface="맑은 고딕" pitchFamily="50" charset="-127"/>
-              </a:rPr>
-              <a:t>많은 걸 할 수 있고</a:t>
+              <a:t>       많은 걸 할 수 있고</a:t>
             </a:r>
             <a:r>
               <a:rPr lang="en-US" altLang="ko-KR" sz="2000" spc="-50" dirty="0" smtClean="0">
@@ -10185,15 +10011,6 @@
               </a:rPr>
               <a:t>..</a:t>
             </a:r>
-            <a:endParaRPr lang="en-US" altLang="ko-KR" sz="2000" spc="-50" dirty="0" smtClean="0">
-              <a:solidFill>
-                <a:schemeClr val="tx2">
-                  <a:lumMod val="75000"/>
-                </a:schemeClr>
-              </a:solidFill>
-              <a:latin typeface="맑은 고딕" pitchFamily="50" charset="-127"/>
-              <a:ea typeface="맑은 고딕" pitchFamily="50" charset="-127"/>
-            </a:endParaRPr>
           </a:p>
         </p:txBody>
       </p:sp>
@@ -15116,10 +14933,10 @@
                 <a:latin typeface="맑은 고딕" pitchFamily="50" charset="-127"/>
                 <a:ea typeface="맑은 고딕" pitchFamily="50" charset="-127"/>
               </a:rPr>
-              <a:t>     </a:t>
-            </a:r>
-            <a:r>
-              <a:rPr lang="ko-KR" altLang="en-US" sz="2000" b="0" spc="-50" dirty="0" smtClean="0">
+              <a:t>     판매자</a:t>
+            </a:r>
+            <a:r>
+              <a:rPr lang="en-US" altLang="ko-KR" sz="2000" b="0" spc="-50" dirty="0" smtClean="0">
                 <a:solidFill>
                   <a:schemeClr val="tx2">
                     <a:lumMod val="75000"/>
@@ -15128,10 +14945,10 @@
                 <a:latin typeface="맑은 고딕" pitchFamily="50" charset="-127"/>
                 <a:ea typeface="맑은 고딕" pitchFamily="50" charset="-127"/>
               </a:rPr>
-              <a:t>판매자</a:t>
-            </a:r>
-            <a:r>
-              <a:rPr lang="en-US" altLang="ko-KR" sz="2000" b="0" spc="-50" dirty="0" smtClean="0">
+              <a:t>(</a:t>
+            </a:r>
+            <a:r>
+              <a:rPr lang="ko-KR" altLang="en-US" sz="2000" b="0" spc="-50" dirty="0" smtClean="0">
                 <a:solidFill>
                   <a:schemeClr val="tx2">
                     <a:lumMod val="75000"/>
@@ -15140,10 +14957,10 @@
                 <a:latin typeface="맑은 고딕" pitchFamily="50" charset="-127"/>
                 <a:ea typeface="맑은 고딕" pitchFamily="50" charset="-127"/>
               </a:rPr>
-              <a:t>(</a:t>
-            </a:r>
-            <a:r>
-              <a:rPr lang="ko-KR" altLang="en-US" sz="2000" b="0" spc="-50" dirty="0" smtClean="0">
+              <a:t>도매</a:t>
+            </a:r>
+            <a:r>
+              <a:rPr lang="en-US" altLang="ko-KR" sz="2000" b="0" spc="-50" dirty="0" smtClean="0">
                 <a:solidFill>
                   <a:schemeClr val="tx2">
                     <a:lumMod val="75000"/>
@@ -15152,10 +14969,10 @@
                 <a:latin typeface="맑은 고딕" pitchFamily="50" charset="-127"/>
                 <a:ea typeface="맑은 고딕" pitchFamily="50" charset="-127"/>
               </a:rPr>
-              <a:t>도매</a:t>
-            </a:r>
-            <a:r>
-              <a:rPr lang="en-US" altLang="ko-KR" sz="2000" b="0" spc="-50" dirty="0" smtClean="0">
+              <a:t>)</a:t>
+            </a:r>
+            <a:r>
+              <a:rPr lang="ko-KR" altLang="en-US" sz="2000" b="0" spc="-50" dirty="0" smtClean="0">
                 <a:solidFill>
                   <a:schemeClr val="tx2">
                     <a:lumMod val="75000"/>
@@ -15164,31 +14981,7 @@
                 <a:latin typeface="맑은 고딕" pitchFamily="50" charset="-127"/>
                 <a:ea typeface="맑은 고딕" pitchFamily="50" charset="-127"/>
               </a:rPr>
-              <a:t>)</a:t>
-            </a:r>
-            <a:r>
-              <a:rPr lang="ko-KR" altLang="en-US" sz="2000" b="0" spc="-50" dirty="0" smtClean="0">
-                <a:solidFill>
-                  <a:schemeClr val="tx2">
-                    <a:lumMod val="75000"/>
-                  </a:schemeClr>
-                </a:solidFill>
-                <a:latin typeface="맑은 고딕" pitchFamily="50" charset="-127"/>
-                <a:ea typeface="맑은 고딕" pitchFamily="50" charset="-127"/>
-              </a:rPr>
-              <a:t>가 </a:t>
-            </a:r>
-            <a:r>
-              <a:rPr lang="ko-KR" altLang="en-US" sz="2000" b="0" spc="-50" dirty="0" smtClean="0">
-                <a:solidFill>
-                  <a:schemeClr val="tx2">
-                    <a:lumMod val="75000"/>
-                  </a:schemeClr>
-                </a:solidFill>
-                <a:latin typeface="맑은 고딕" pitchFamily="50" charset="-127"/>
-                <a:ea typeface="맑은 고딕" pitchFamily="50" charset="-127"/>
-              </a:rPr>
-              <a:t>직접 판매하여</a:t>
+              <a:t>가 직접 판매하여</a:t>
             </a:r>
             <a:r>
               <a:rPr lang="en-US" altLang="ko-KR" sz="2000" b="0" spc="-50" dirty="0" smtClean="0">
